--- a/assets/imgs/Presentation1.pptx
+++ b/assets/imgs/Presentation1.pptx
@@ -6,6 +6,7 @@
   </p:sldMasterIdLst>
   <p:sldIdLst>
     <p:sldId id="256" r:id="rId2"/>
+    <p:sldId id="257" r:id="rId3"/>
   </p:sldIdLst>
   <p:sldSz cx="12192000" cy="6858000"/>
   <p:notesSz cx="6858000" cy="9144000"/>
@@ -3365,7 +3366,7 @@
             <a:pPr algn="ctr"/>
             <a:r>
               <a:rPr lang="en-US" dirty="0"/>
-              <a:t>7 day forecast</a:t>
+              <a:t>8 day forecast</a:t>
             </a:r>
           </a:p>
         </p:txBody>
@@ -3433,7 +3434,7 @@
         </p:nvSpPr>
         <p:spPr>
           <a:xfrm>
-            <a:off x="493986" y="269328"/>
+            <a:off x="506673" y="269328"/>
             <a:ext cx="3174125" cy="2892972"/>
           </a:xfrm>
           <a:prstGeom prst="rect">
@@ -3580,7 +3581,7 @@
         </p:nvSpPr>
         <p:spPr>
           <a:xfrm>
-            <a:off x="493986" y="5142184"/>
+            <a:off x="493985" y="5093575"/>
             <a:ext cx="3174125" cy="1258616"/>
           </a:xfrm>
           <a:prstGeom prst="rect">
@@ -3734,6 +3735,85 @@
     <p:extLst>
       <p:ext uri="{BB962C8B-B14F-4D97-AF65-F5344CB8AC3E}">
         <p14:creationId xmlns:p14="http://schemas.microsoft.com/office/powerpoint/2010/main" val="2664727500"/>
+      </p:ext>
+    </p:extLst>
+  </p:cSld>
+  <p:clrMapOvr>
+    <a:masterClrMapping/>
+  </p:clrMapOvr>
+</p:sld>
+</file>
+
+<file path=ppt/slides/slide2.xml><?xml version="1.0" encoding="utf-8"?>
+<p:sld xmlns:a="http://schemas.openxmlformats.org/drawingml/2006/main" xmlns:r="http://schemas.openxmlformats.org/officeDocument/2006/relationships" xmlns:p="http://schemas.openxmlformats.org/presentationml/2006/main">
+  <p:cSld>
+    <p:spTree>
+      <p:nvGrpSpPr>
+        <p:cNvPr id="1" name=""/>
+        <p:cNvGrpSpPr/>
+        <p:nvPr/>
+      </p:nvGrpSpPr>
+      <p:grpSpPr>
+        <a:xfrm>
+          <a:off x="0" y="0"/>
+          <a:ext cx="0" cy="0"/>
+          <a:chOff x="0" y="0"/>
+          <a:chExt cx="0" cy="0"/>
+        </a:xfrm>
+      </p:grpSpPr>
+      <p:sp>
+        <p:nvSpPr>
+          <p:cNvPr id="4" name="Rectangle 3">
+            <a:extLst>
+              <a:ext uri="{FF2B5EF4-FFF2-40B4-BE49-F238E27FC236}">
+                <a16:creationId xmlns:a16="http://schemas.microsoft.com/office/drawing/2014/main" id="{2A729A4D-845C-BC36-B151-D40B2AB7AD2A}"/>
+              </a:ext>
+            </a:extLst>
+          </p:cNvPr>
+          <p:cNvSpPr/>
+          <p:nvPr/>
+        </p:nvSpPr>
+        <p:spPr>
+          <a:xfrm>
+            <a:off x="815546" y="296562"/>
+            <a:ext cx="10305535" cy="5918887"/>
+          </a:xfrm>
+          <a:prstGeom prst="rect">
+            <a:avLst/>
+          </a:prstGeom>
+        </p:spPr>
+        <p:style>
+          <a:lnRef idx="2">
+            <a:schemeClr val="accent1">
+              <a:shade val="50000"/>
+            </a:schemeClr>
+          </a:lnRef>
+          <a:fillRef idx="1">
+            <a:schemeClr val="accent1"/>
+          </a:fillRef>
+          <a:effectRef idx="0">
+            <a:schemeClr val="accent1"/>
+          </a:effectRef>
+          <a:fontRef idx="minor">
+            <a:schemeClr val="lt1"/>
+          </a:fontRef>
+        </p:style>
+        <p:txBody>
+          <a:bodyPr rtlCol="0" anchor="ctr"/>
+          <a:lstStyle/>
+          <a:p>
+            <a:pPr algn="ctr"/>
+            <a:r>
+              <a:rPr lang="en-US" dirty="0"/>
+              <a:t>Daily drilldown  (List of All Daily stats) </a:t>
+            </a:r>
+          </a:p>
+        </p:txBody>
+      </p:sp>
+    </p:spTree>
+    <p:extLst>
+      <p:ext uri="{BB962C8B-B14F-4D97-AF65-F5344CB8AC3E}">
+        <p14:creationId xmlns:p14="http://schemas.microsoft.com/office/powerpoint/2010/main" val="4147566727"/>
       </p:ext>
     </p:extLst>
   </p:cSld>
